--- a/Eindpresentatie.pptx
+++ b/Eindpresentatie.pptx
@@ -18,8 +18,8 @@
     <p:sldId id="264" r:id="rId9"/>
     <p:sldId id="266" r:id="rId10"/>
     <p:sldId id="267" r:id="rId11"/>
-    <p:sldId id="262" r:id="rId12"/>
-    <p:sldId id="263" r:id="rId13"/>
+    <p:sldId id="268" r:id="rId12"/>
+    <p:sldId id="262" r:id="rId13"/>
   </p:sldIdLst>
   <p:sldSz cx="9144000" cy="5143500" type="screen16x9"/>
   <p:notesSz cx="6858000" cy="9144000"/>
@@ -234,6 +234,11 @@
       </a:defRPr>
     </a:lvl9pPr>
   </p:defaultTextStyle>
+  <p:extLst>
+    <p:ext uri="{EFAFB233-063F-42B5-8137-9DF3F51BA10A}">
+      <p15:sldGuideLst xmlns:p15="http://schemas.microsoft.com/office/powerpoint/2012/main"/>
+    </p:ext>
+  </p:extLst>
 </p:presentation>
 </file>
 
@@ -247,20 +252,6 @@
     </p:extLst>
   </p:cmAuthor>
 </p:cmAuthorLst>
-</file>
-
-<file path=ppt/comments/comment1.xml><?xml version="1.0" encoding="utf-8"?>
-<p:cmLst xmlns:a="http://schemas.openxmlformats.org/drawingml/2006/main" xmlns:r="http://schemas.openxmlformats.org/officeDocument/2006/relationships" xmlns:p="http://schemas.openxmlformats.org/presentationml/2006/main">
-  <p:cm authorId="1" dt="2015-04-13T14:20:54.725" idx="1">
-    <p:pos x="3271" y="2317"/>
-    <p:text>Niet ingebouwd voor heap. Geldt vanaf 100.000+</p:text>
-    <p:extLst>
-      <p:ext uri="{C676402C-5697-4E1C-873F-D02D1690AC5C}">
-        <p15:threadingInfo xmlns:p15="http://schemas.microsoft.com/office/powerpoint/2012/main" timeZoneBias="-120"/>
-      </p:ext>
-    </p:extLst>
-  </p:cm>
-</p:cmLst>
 </file>
 
 <file path=ppt/notesMasters/notesMaster1.xml><?xml version="1.0" encoding="utf-8"?>
@@ -778,6 +769,138 @@
   <p:cSld>
     <p:spTree>
       <p:nvGrpSpPr>
+        <p:cNvPr id="1" name="Shape 72"/>
+        <p:cNvGrpSpPr/>
+        <p:nvPr/>
+      </p:nvGrpSpPr>
+      <p:grpSpPr>
+        <a:xfrm>
+          <a:off x="0" y="0"/>
+          <a:ext cx="0" cy="0"/>
+          <a:chOff x="0" y="0"/>
+          <a:chExt cx="0" cy="0"/>
+        </a:xfrm>
+      </p:grpSpPr>
+      <p:sp>
+        <p:nvSpPr>
+          <p:cNvPr id="73" name="Shape 73"/>
+          <p:cNvSpPr>
+            <a:spLocks noGrp="1" noRot="1" noChangeAspect="1"/>
+          </p:cNvSpPr>
+          <p:nvPr>
+            <p:ph type="sldImg" idx="2"/>
+          </p:nvPr>
+        </p:nvSpPr>
+        <p:spPr>
+          <a:xfrm>
+            <a:off x="381000" y="685800"/>
+            <a:ext cx="6096000" cy="3429000"/>
+          </a:xfrm>
+          <a:custGeom>
+            <a:avLst/>
+            <a:gdLst/>
+            <a:ahLst/>
+            <a:cxnLst/>
+            <a:rect l="0" t="0" r="0" b="0"/>
+            <a:pathLst>
+              <a:path w="120000" h="120000" extrusionOk="0">
+                <a:moveTo>
+                  <a:pt x="0" y="0"/>
+                </a:moveTo>
+                <a:lnTo>
+                  <a:pt x="120000" y="0"/>
+                </a:lnTo>
+                <a:lnTo>
+                  <a:pt x="120000" y="120000"/>
+                </a:lnTo>
+                <a:lnTo>
+                  <a:pt x="0" y="120000"/>
+                </a:lnTo>
+                <a:close/>
+              </a:path>
+            </a:pathLst>
+          </a:custGeom>
+          <a:noFill/>
+          <a:ln w="9525" cap="flat">
+            <a:solidFill>
+              <a:srgbClr val="000000"/>
+            </a:solidFill>
+            <a:prstDash val="solid"/>
+            <a:round/>
+            <a:headEnd type="none" w="med" len="med"/>
+            <a:tailEnd type="none" w="med" len="med"/>
+          </a:ln>
+        </p:spPr>
+      </p:sp>
+      <p:sp>
+        <p:nvSpPr>
+          <p:cNvPr id="74" name="Shape 74"/>
+          <p:cNvSpPr txBox="1">
+            <a:spLocks noGrp="1"/>
+          </p:cNvSpPr>
+          <p:nvPr>
+            <p:ph type="body" idx="1"/>
+          </p:nvPr>
+        </p:nvSpPr>
+        <p:spPr>
+          <a:xfrm>
+            <a:off x="685800" y="4343400"/>
+            <a:ext cx="5486399" cy="4114800"/>
+          </a:xfrm>
+          <a:prstGeom prst="rect">
+            <a:avLst/>
+          </a:prstGeom>
+        </p:spPr>
+        <p:txBody>
+          <a:bodyPr lIns="91425" tIns="91425" rIns="91425" bIns="91425" anchor="t" anchorCtr="0">
+            <a:noAutofit/>
+          </a:bodyPr>
+          <a:lstStyle/>
+          <a:p>
+            <a:pPr>
+              <a:spcBef>
+                <a:spcPts val="0"/>
+              </a:spcBef>
+              <a:buNone/>
+            </a:pPr>
+            <a:r>
+              <a:rPr lang="nl-NL" dirty="0" smtClean="0"/>
+              <a:t>Niet ingebouwd voor </a:t>
+            </a:r>
+            <a:r>
+              <a:rPr lang="nl-NL" dirty="0" err="1" smtClean="0"/>
+              <a:t>heap</a:t>
+            </a:r>
+            <a:r>
+              <a:rPr lang="nl-NL" dirty="0" smtClean="0"/>
+              <a:t>. </a:t>
+            </a:r>
+            <a:r>
+              <a:rPr lang="nl-NL" smtClean="0"/>
+              <a:t>Geldt vanaf 100.000+</a:t>
+            </a:r>
+            <a:endParaRPr/>
+          </a:p>
+        </p:txBody>
+      </p:sp>
+    </p:spTree>
+    <p:extLst>
+      <p:ext uri="{BB962C8B-B14F-4D97-AF65-F5344CB8AC3E}">
+        <p14:creationId xmlns:p14="http://schemas.microsoft.com/office/powerpoint/2010/main" val="287606545"/>
+      </p:ext>
+    </p:extLst>
+  </p:cSld>
+  <p:clrMapOvr>
+    <a:masterClrMapping/>
+  </p:clrMapOvr>
+</p:notes>
+</file>
+
+<file path=ppt/notesSlides/notesSlide12.xml><?xml version="1.0" encoding="utf-8"?>
+<p:notes xmlns:a="http://schemas.openxmlformats.org/drawingml/2006/main" xmlns:r="http://schemas.openxmlformats.org/officeDocument/2006/relationships" xmlns:p="http://schemas.openxmlformats.org/presentationml/2006/main" showMasterSp="0" showMasterPhAnim="0">
+  <p:cSld>
+    <p:spTree>
+      <p:nvGrpSpPr>
         <p:cNvPr id="1" name="Shape 79"/>
         <p:cNvGrpSpPr/>
         <p:nvPr/>
@@ -880,122 +1003,6 @@
     <p:extLst>
       <p:ext uri="{BB962C8B-B14F-4D97-AF65-F5344CB8AC3E}">
         <p14:creationId xmlns:p14="http://schemas.microsoft.com/office/powerpoint/2010/main" val="525469743"/>
-      </p:ext>
-    </p:extLst>
-  </p:cSld>
-  <p:clrMapOvr>
-    <a:masterClrMapping/>
-  </p:clrMapOvr>
-</p:notes>
-</file>
-
-<file path=ppt/notesSlides/notesSlide12.xml><?xml version="1.0" encoding="utf-8"?>
-<p:notes xmlns:a="http://schemas.openxmlformats.org/drawingml/2006/main" xmlns:r="http://schemas.openxmlformats.org/officeDocument/2006/relationships" xmlns:p="http://schemas.openxmlformats.org/presentationml/2006/main" showMasterSp="0" showMasterPhAnim="0">
-  <p:cSld>
-    <p:spTree>
-      <p:nvGrpSpPr>
-        <p:cNvPr id="1" name="Shape 87"/>
-        <p:cNvGrpSpPr/>
-        <p:nvPr/>
-      </p:nvGrpSpPr>
-      <p:grpSpPr>
-        <a:xfrm>
-          <a:off x="0" y="0"/>
-          <a:ext cx="0" cy="0"/>
-          <a:chOff x="0" y="0"/>
-          <a:chExt cx="0" cy="0"/>
-        </a:xfrm>
-      </p:grpSpPr>
-      <p:sp>
-        <p:nvSpPr>
-          <p:cNvPr id="88" name="Shape 88"/>
-          <p:cNvSpPr>
-            <a:spLocks noGrp="1" noRot="1" noChangeAspect="1"/>
-          </p:cNvSpPr>
-          <p:nvPr>
-            <p:ph type="sldImg" idx="2"/>
-          </p:nvPr>
-        </p:nvSpPr>
-        <p:spPr>
-          <a:xfrm>
-            <a:off x="381000" y="685800"/>
-            <a:ext cx="6096000" cy="3429000"/>
-          </a:xfrm>
-          <a:custGeom>
-            <a:avLst/>
-            <a:gdLst/>
-            <a:ahLst/>
-            <a:cxnLst/>
-            <a:rect l="0" t="0" r="0" b="0"/>
-            <a:pathLst>
-              <a:path w="120000" h="120000" extrusionOk="0">
-                <a:moveTo>
-                  <a:pt x="0" y="0"/>
-                </a:moveTo>
-                <a:lnTo>
-                  <a:pt x="120000" y="0"/>
-                </a:lnTo>
-                <a:lnTo>
-                  <a:pt x="120000" y="120000"/>
-                </a:lnTo>
-                <a:lnTo>
-                  <a:pt x="0" y="120000"/>
-                </a:lnTo>
-                <a:close/>
-              </a:path>
-            </a:pathLst>
-          </a:custGeom>
-          <a:noFill/>
-          <a:ln w="9525" cap="flat">
-            <a:solidFill>
-              <a:srgbClr val="000000"/>
-            </a:solidFill>
-            <a:prstDash val="solid"/>
-            <a:round/>
-            <a:headEnd type="none" w="med" len="med"/>
-            <a:tailEnd type="none" w="med" len="med"/>
-          </a:ln>
-        </p:spPr>
-      </p:sp>
-      <p:sp>
-        <p:nvSpPr>
-          <p:cNvPr id="89" name="Shape 89"/>
-          <p:cNvSpPr txBox="1">
-            <a:spLocks noGrp="1"/>
-          </p:cNvSpPr>
-          <p:nvPr>
-            <p:ph type="body" idx="1"/>
-          </p:nvPr>
-        </p:nvSpPr>
-        <p:spPr>
-          <a:xfrm>
-            <a:off x="685800" y="4343400"/>
-            <a:ext cx="5486399" cy="4114800"/>
-          </a:xfrm>
-          <a:prstGeom prst="rect">
-            <a:avLst/>
-          </a:prstGeom>
-        </p:spPr>
-        <p:txBody>
-          <a:bodyPr lIns="91425" tIns="91425" rIns="91425" bIns="91425" anchor="t" anchorCtr="0">
-            <a:noAutofit/>
-          </a:bodyPr>
-          <a:lstStyle/>
-          <a:p>
-            <a:pPr>
-              <a:spcBef>
-                <a:spcPts val="0"/>
-              </a:spcBef>
-              <a:buNone/>
-            </a:pPr>
-            <a:endParaRPr/>
-          </a:p>
-        </p:txBody>
-      </p:sp>
-    </p:spTree>
-    <p:extLst>
-      <p:ext uri="{BB962C8B-B14F-4D97-AF65-F5344CB8AC3E}">
-        <p14:creationId xmlns:p14="http://schemas.microsoft.com/office/powerpoint/2010/main" val="2056875599"/>
       </p:ext>
     </p:extLst>
   </p:cSld>
@@ -4692,11 +4699,7 @@
             </a:r>
             <a:r>
               <a:rPr lang="nl-NL" sz="2800" dirty="0"/>
-              <a:t>2,25E-05</a:t>
-            </a:r>
-            <a:r>
-              <a:rPr lang="nl-NL" sz="2800" dirty="0"/>
-              <a:t> </a:t>
+              <a:t>2,25E-05 </a:t>
             </a:r>
             <a:endParaRPr lang="nl-NL" sz="2800" dirty="0" smtClean="0"/>
           </a:p>
@@ -4722,11 +4725,7 @@
             </a:r>
             <a:r>
               <a:rPr lang="nl-NL" sz="2800" dirty="0"/>
-              <a:t>0,000221</a:t>
-            </a:r>
-            <a:r>
-              <a:rPr lang="nl-NL" sz="2800" dirty="0"/>
-              <a:t> </a:t>
+              <a:t>0,000221 </a:t>
             </a:r>
             <a:endParaRPr lang="en-US" sz="2800" dirty="0" smtClean="0"/>
           </a:p>
@@ -5517,6 +5516,199 @@
   <p:cSld>
     <p:spTree>
       <p:nvGrpSpPr>
+        <p:cNvPr id="1" name="Shape 68"/>
+        <p:cNvGrpSpPr/>
+        <p:nvPr/>
+      </p:nvGrpSpPr>
+      <p:grpSpPr>
+        <a:xfrm>
+          <a:off x="0" y="0"/>
+          <a:ext cx="0" cy="0"/>
+          <a:chOff x="0" y="0"/>
+          <a:chExt cx="0" cy="0"/>
+        </a:xfrm>
+      </p:grpSpPr>
+      <p:sp>
+        <p:nvSpPr>
+          <p:cNvPr id="69" name="Shape 69"/>
+          <p:cNvSpPr txBox="1">
+            <a:spLocks noGrp="1"/>
+          </p:cNvSpPr>
+          <p:nvPr>
+            <p:ph type="title"/>
+          </p:nvPr>
+        </p:nvSpPr>
+        <p:spPr>
+          <a:xfrm>
+            <a:off x="457200" y="205977"/>
+            <a:ext cx="8229600" cy="1141499"/>
+          </a:xfrm>
+          <a:prstGeom prst="rect">
+            <a:avLst/>
+          </a:prstGeom>
+        </p:spPr>
+        <p:txBody>
+          <a:bodyPr lIns="91425" tIns="91425" rIns="91425" bIns="91425" anchor="b" anchorCtr="0">
+            <a:noAutofit/>
+          </a:bodyPr>
+          <a:lstStyle/>
+          <a:p>
+            <a:pPr lvl="0" rtl="0">
+              <a:spcBef>
+                <a:spcPts val="0"/>
+              </a:spcBef>
+              <a:buNone/>
+            </a:pPr>
+            <a:r>
+              <a:rPr lang="en-GB" dirty="0" err="1" smtClean="0"/>
+              <a:t>Statistiek</a:t>
+            </a:r>
+            <a:r>
+              <a:rPr lang="en-GB" dirty="0" smtClean="0"/>
+              <a:t> </a:t>
+            </a:r>
+            <a:r>
+              <a:rPr lang="en-GB" dirty="0" smtClean="0"/>
+              <a:t>(5)</a:t>
+            </a:r>
+            <a:endParaRPr lang="en-GB" dirty="0"/>
+          </a:p>
+        </p:txBody>
+      </p:sp>
+      <p:sp>
+        <p:nvSpPr>
+          <p:cNvPr id="70" name="Shape 70"/>
+          <p:cNvSpPr txBox="1">
+            <a:spLocks noGrp="1"/>
+          </p:cNvSpPr>
+          <p:nvPr>
+            <p:ph type="body" idx="1"/>
+          </p:nvPr>
+        </p:nvSpPr>
+        <p:spPr>
+          <a:xfrm>
+            <a:off x="457200" y="1506499"/>
+            <a:ext cx="8229600" cy="3465299"/>
+          </a:xfrm>
+          <a:prstGeom prst="rect">
+            <a:avLst/>
+          </a:prstGeom>
+          <a:noFill/>
+        </p:spPr>
+        <p:txBody>
+          <a:bodyPr lIns="91425" tIns="91425" rIns="91425" bIns="91425" anchor="t" anchorCtr="0">
+            <a:noAutofit/>
+          </a:bodyPr>
+          <a:lstStyle/>
+          <a:p>
+            <a:pPr marL="457200" lvl="0" indent="-406400">
+              <a:lnSpc>
+                <a:spcPct val="115000"/>
+              </a:lnSpc>
+              <a:buFont typeface="Arial"/>
+              <a:buChar char="●"/>
+            </a:pPr>
+            <a:endParaRPr lang="en-GB" sz="2800" dirty="0"/>
+          </a:p>
+        </p:txBody>
+      </p:sp>
+      <p:sp>
+        <p:nvSpPr>
+          <p:cNvPr id="71" name="Shape 71"/>
+          <p:cNvSpPr txBox="1">
+            <a:spLocks noGrp="1"/>
+          </p:cNvSpPr>
+          <p:nvPr>
+            <p:ph type="sldNum" idx="12"/>
+          </p:nvPr>
+        </p:nvSpPr>
+        <p:spPr>
+          <a:xfrm>
+            <a:off x="8556791" y="4749850"/>
+            <a:ext cx="548699" cy="393600"/>
+          </a:xfrm>
+          <a:prstGeom prst="rect">
+            <a:avLst/>
+          </a:prstGeom>
+        </p:spPr>
+        <p:txBody>
+          <a:bodyPr lIns="91425" tIns="91425" rIns="91425" bIns="91425" anchor="ctr" anchorCtr="0">
+            <a:noAutofit/>
+          </a:bodyPr>
+          <a:lstStyle/>
+          <a:p>
+            <a:pPr>
+              <a:spcBef>
+                <a:spcPts val="0"/>
+              </a:spcBef>
+              <a:buNone/>
+            </a:pPr>
+            <a:fld id="{00000000-1234-1234-1234-123412341234}" type="slidenum">
+              <a:rPr lang="en-GB"/>
+              <a:t>11</a:t>
+            </a:fld>
+            <a:endParaRPr lang="en-GB"/>
+          </a:p>
+        </p:txBody>
+      </p:sp>
+      <p:pic>
+        <p:nvPicPr>
+          <p:cNvPr id="3" name="Afbeelding 2"/>
+          <p:cNvPicPr>
+            <a:picLocks noChangeAspect="1"/>
+          </p:cNvPicPr>
+          <p:nvPr/>
+        </p:nvPicPr>
+        <p:blipFill>
+          <a:blip r:embed="rId3">
+            <a:extLst>
+              <a:ext uri="{28A0092B-C50C-407E-A947-70E740481C1C}">
+                <a14:useLocalDpi xmlns:a14="http://schemas.microsoft.com/office/drawing/2010/main" val="0"/>
+              </a:ext>
+            </a:extLst>
+          </a:blip>
+          <a:stretch>
+            <a:fillRect/>
+          </a:stretch>
+        </p:blipFill>
+        <p:spPr>
+          <a:xfrm>
+            <a:off x="1733958" y="1630357"/>
+            <a:ext cx="5676084" cy="3217581"/>
+          </a:xfrm>
+          <a:prstGeom prst="rect">
+            <a:avLst/>
+          </a:prstGeom>
+        </p:spPr>
+      </p:pic>
+    </p:spTree>
+    <p:extLst>
+      <p:ext uri="{BB962C8B-B14F-4D97-AF65-F5344CB8AC3E}">
+        <p14:creationId xmlns:p14="http://schemas.microsoft.com/office/powerpoint/2010/main" val="1008805666"/>
+      </p:ext>
+    </p:extLst>
+  </p:cSld>
+  <p:clrMapOvr>
+    <a:masterClrMapping/>
+  </p:clrMapOvr>
+  <p:transition spd="slow">
+    <p:cut/>
+  </p:transition>
+  <p:timing>
+    <p:tnLst>
+      <p:par>
+        <p:cTn id="1" dur="indefinite" restart="never" nodeType="tmRoot"/>
+      </p:par>
+    </p:tnLst>
+  </p:timing>
+</p:sld>
+</file>
+
+<file path=ppt/slides/slide12.xml><?xml version="1.0" encoding="utf-8"?>
+<p:sld xmlns:a="http://schemas.openxmlformats.org/drawingml/2006/main" xmlns:r="http://schemas.openxmlformats.org/officeDocument/2006/relationships" xmlns:p="http://schemas.openxmlformats.org/presentationml/2006/main">
+  <p:cSld>
+    <p:spTree>
+      <p:nvGrpSpPr>
         <p:cNvPr id="1" name="Shape 75"/>
         <p:cNvGrpSpPr/>
         <p:nvPr/>
@@ -5561,9 +5753,10 @@
               <a:buNone/>
             </a:pPr>
             <a:r>
-              <a:rPr lang="en-GB"/>
-              <a:t>Resultaten</a:t>
-            </a:r>
+              <a:rPr lang="en-GB" dirty="0" err="1" smtClean="0"/>
+              <a:t>Conclusies</a:t>
+            </a:r>
+            <a:endParaRPr lang="en-GB" dirty="0"/>
           </a:p>
         </p:txBody>
       </p:sp>
@@ -5604,18 +5797,55 @@
               <a:buChar char="●"/>
             </a:pPr>
             <a:r>
-              <a:rPr lang="en-GB" sz="2800"/>
-              <a:t>Herstart met limiet: 2x15 minuten = time-out</a:t>
-            </a:r>
-          </a:p>
-          <a:p>
-            <a:pPr lvl="0" rtl="0">
-              <a:spcBef>
-                <a:spcPts val="0"/>
-              </a:spcBef>
-              <a:buNone/>
-            </a:pPr>
-            <a:endParaRPr sz="2800"/>
+              <a:rPr lang="en-GB" sz="2800" dirty="0" smtClean="0"/>
+              <a:t>Hypotheses over min/max </a:t>
+            </a:r>
+            <a:r>
+              <a:rPr lang="en-GB" sz="2800" dirty="0" err="1" smtClean="0"/>
+              <a:t>niet</a:t>
+            </a:r>
+            <a:r>
+              <a:rPr lang="en-GB" sz="2800" dirty="0" smtClean="0"/>
+              <a:t> </a:t>
+            </a:r>
+            <a:r>
+              <a:rPr lang="en-GB" sz="2800" dirty="0" err="1" smtClean="0"/>
+              <a:t>gehaald</a:t>
+            </a:r>
+            <a:endParaRPr lang="en-GB" sz="2800" dirty="0" smtClean="0"/>
+          </a:p>
+          <a:p>
+            <a:pPr marL="457200" lvl="2" indent="-406400">
+              <a:buFont typeface="Arial"/>
+              <a:buChar char="●"/>
+            </a:pPr>
+            <a:r>
+              <a:rPr lang="en-GB" sz="2200" dirty="0" smtClean="0"/>
+              <a:t>AVL tree </a:t>
+            </a:r>
+            <a:r>
+              <a:rPr lang="en-GB" sz="2200" dirty="0" err="1" smtClean="0"/>
+              <a:t>werkt</a:t>
+            </a:r>
+            <a:r>
+              <a:rPr lang="en-GB" sz="2200" dirty="0" smtClean="0"/>
+              <a:t> </a:t>
+            </a:r>
+            <a:r>
+              <a:rPr lang="en-GB" sz="2200" dirty="0" err="1" smtClean="0"/>
+              <a:t>snel</a:t>
+            </a:r>
+            <a:r>
+              <a:rPr lang="en-GB" sz="2200" dirty="0" smtClean="0"/>
+              <a:t> op min/max</a:t>
+            </a:r>
+          </a:p>
+          <a:p>
+            <a:pPr marL="457200" lvl="2" indent="-406400">
+              <a:buFont typeface="Arial"/>
+              <a:buChar char="●"/>
+            </a:pPr>
+            <a:endParaRPr lang="en-GB" sz="2200" dirty="0" smtClean="0"/>
           </a:p>
           <a:p>
             <a:pPr marL="457200" lvl="0" indent="-406400" rtl="0">
@@ -5630,35 +5860,86 @@
               <a:buChar char="●"/>
             </a:pPr>
             <a:r>
-              <a:rPr lang="en-GB" sz="2800"/>
-              <a:t>Test draait sinds zaterdag 28 februari 10:00</a:t>
-            </a:r>
-          </a:p>
-          <a:p>
-            <a:pPr lvl="0" rtl="0">
-              <a:spcBef>
-                <a:spcPts val="0"/>
-              </a:spcBef>
-              <a:buNone/>
-            </a:pPr>
-            <a:endParaRPr sz="2800"/>
-          </a:p>
-          <a:p>
-            <a:pPr marL="457200" lvl="0" indent="-406400" rtl="0">
-              <a:spcBef>
-                <a:spcPts val="0"/>
-              </a:spcBef>
-              <a:buClr>
-                <a:schemeClr val="dk2"/>
-              </a:buClr>
-              <a:buSzPct val="100000"/>
+              <a:rPr lang="en-GB" sz="2800" dirty="0" err="1" smtClean="0"/>
+              <a:t>Hypothese</a:t>
+            </a:r>
+            <a:r>
+              <a:rPr lang="en-GB" sz="2800" dirty="0" smtClean="0"/>
+              <a:t> over build </a:t>
+            </a:r>
+            <a:r>
+              <a:rPr lang="en-GB" sz="2800" dirty="0" err="1" smtClean="0"/>
+              <a:t>niet</a:t>
+            </a:r>
+            <a:r>
+              <a:rPr lang="en-GB" sz="2800" dirty="0" smtClean="0"/>
+              <a:t> </a:t>
+            </a:r>
+            <a:r>
+              <a:rPr lang="en-GB" sz="2800" dirty="0" err="1" smtClean="0"/>
+              <a:t>gehaald</a:t>
+            </a:r>
+            <a:endParaRPr lang="en-GB" sz="2800" dirty="0" smtClean="0"/>
+          </a:p>
+          <a:p>
+            <a:pPr marL="457200" lvl="1" indent="-406400">
               <a:buFont typeface="Arial"/>
               <a:buChar char="●"/>
             </a:pPr>
             <a:r>
-              <a:rPr lang="en-GB" sz="2800"/>
-              <a:t>Hoge orde operaties geven time-out</a:t>
-            </a:r>
+              <a:rPr lang="en-GB" sz="2200" dirty="0" smtClean="0"/>
+              <a:t>Min-Max tree is </a:t>
+            </a:r>
+            <a:r>
+              <a:rPr lang="en-GB" sz="2200" dirty="0" err="1" smtClean="0"/>
+              <a:t>sneller</a:t>
+            </a:r>
+            <a:r>
+              <a:rPr lang="en-GB" sz="2200" dirty="0" smtClean="0"/>
+              <a:t> </a:t>
+            </a:r>
+            <a:r>
+              <a:rPr lang="en-GB" sz="2200" dirty="0" err="1" smtClean="0"/>
+              <a:t>dan</a:t>
+            </a:r>
+            <a:r>
+              <a:rPr lang="en-GB" sz="2200" dirty="0" smtClean="0"/>
+              <a:t> Heap</a:t>
+            </a:r>
+          </a:p>
+          <a:p>
+            <a:pPr marL="457200" lvl="1" indent="-406400">
+              <a:buFont typeface="Arial"/>
+              <a:buChar char="●"/>
+            </a:pPr>
+            <a:endParaRPr lang="en-GB" sz="2200" dirty="0" smtClean="0"/>
+          </a:p>
+          <a:p>
+            <a:pPr marL="457200" indent="-406400">
+              <a:buFont typeface="Arial"/>
+              <a:buChar char="●"/>
+            </a:pPr>
+            <a:r>
+              <a:rPr lang="en-GB" sz="2800" dirty="0" err="1" smtClean="0"/>
+              <a:t>Overige</a:t>
+            </a:r>
+            <a:r>
+              <a:rPr lang="en-GB" sz="2800" dirty="0" smtClean="0"/>
+              <a:t> hypotheses </a:t>
+            </a:r>
+            <a:r>
+              <a:rPr lang="en-GB" sz="2800" dirty="0" err="1" smtClean="0"/>
+              <a:t>wel</a:t>
+            </a:r>
+            <a:r>
+              <a:rPr lang="en-GB" sz="2800" dirty="0" smtClean="0"/>
+              <a:t> </a:t>
+            </a:r>
+            <a:r>
+              <a:rPr lang="en-GB" sz="2800" dirty="0" err="1" smtClean="0"/>
+              <a:t>gehaald</a:t>
+            </a:r>
+            <a:endParaRPr lang="en-GB" sz="2800" dirty="0"/>
           </a:p>
         </p:txBody>
       </p:sp>
@@ -5695,7 +5976,7 @@
             </a:pPr>
             <a:fld id="{00000000-1234-1234-1234-123412341234}" type="slidenum">
               <a:rPr lang="en-GB"/>
-              <a:t>11</a:t>
+              <a:t>12</a:t>
             </a:fld>
             <a:endParaRPr lang="en-GB"/>
           </a:p>
@@ -5716,262 +5997,6 @@
       </p:par>
     </p:tnLst>
   </p:timing>
-</p:sld>
-</file>
-
-<file path=ppt/slides/slide12.xml><?xml version="1.0" encoding="utf-8"?>
-<p:sld xmlns:a="http://schemas.openxmlformats.org/drawingml/2006/main" xmlns:r="http://schemas.openxmlformats.org/officeDocument/2006/relationships" xmlns:p="http://schemas.openxmlformats.org/presentationml/2006/main">
-  <p:cSld>
-    <p:spTree>
-      <p:nvGrpSpPr>
-        <p:cNvPr id="1" name="Shape 82"/>
-        <p:cNvGrpSpPr/>
-        <p:nvPr/>
-      </p:nvGrpSpPr>
-      <p:grpSpPr>
-        <a:xfrm>
-          <a:off x="0" y="0"/>
-          <a:ext cx="0" cy="0"/>
-          <a:chOff x="0" y="0"/>
-          <a:chExt cx="0" cy="0"/>
-        </a:xfrm>
-      </p:grpSpPr>
-      <p:sp>
-        <p:nvSpPr>
-          <p:cNvPr id="83" name="Shape 83"/>
-          <p:cNvSpPr txBox="1">
-            <a:spLocks noGrp="1"/>
-          </p:cNvSpPr>
-          <p:nvPr>
-            <p:ph type="title"/>
-          </p:nvPr>
-        </p:nvSpPr>
-        <p:spPr>
-          <a:xfrm>
-            <a:off x="457200" y="205977"/>
-            <a:ext cx="8229600" cy="1141499"/>
-          </a:xfrm>
-          <a:prstGeom prst="rect">
-            <a:avLst/>
-          </a:prstGeom>
-        </p:spPr>
-        <p:txBody>
-          <a:bodyPr lIns="91425" tIns="91425" rIns="91425" bIns="91425" anchor="b" anchorCtr="0">
-            <a:noAutofit/>
-          </a:bodyPr>
-          <a:lstStyle/>
-          <a:p>
-            <a:pPr lvl="0" rtl="0">
-              <a:spcBef>
-                <a:spcPts val="0"/>
-              </a:spcBef>
-              <a:buNone/>
-            </a:pPr>
-            <a:r>
-              <a:rPr lang="en-GB"/>
-              <a:t>Samenvatting</a:t>
-            </a:r>
-          </a:p>
-        </p:txBody>
-      </p:sp>
-      <p:sp>
-        <p:nvSpPr>
-          <p:cNvPr id="84" name="Shape 84"/>
-          <p:cNvSpPr txBox="1">
-            <a:spLocks noGrp="1"/>
-          </p:cNvSpPr>
-          <p:nvPr>
-            <p:ph type="body" idx="1"/>
-          </p:nvPr>
-        </p:nvSpPr>
-        <p:spPr>
-          <a:xfrm>
-            <a:off x="457200" y="1460499"/>
-            <a:ext cx="8229600" cy="3465299"/>
-          </a:xfrm>
-          <a:prstGeom prst="rect">
-            <a:avLst/>
-          </a:prstGeom>
-        </p:spPr>
-        <p:txBody>
-          <a:bodyPr lIns="91425" tIns="91425" rIns="91425" bIns="91425" anchor="t" anchorCtr="0">
-            <a:noAutofit/>
-          </a:bodyPr>
-          <a:lstStyle/>
-          <a:p>
-            <a:pPr marL="457200" lvl="0" indent="-419100" rtl="0">
-              <a:spcBef>
-                <a:spcPts val="0"/>
-              </a:spcBef>
-              <a:buClr>
-                <a:schemeClr val="dk2"/>
-              </a:buClr>
-              <a:buSzPct val="100000"/>
-              <a:buFont typeface="Arial"/>
-              <a:buChar char="●"/>
-            </a:pPr>
-            <a:r>
-              <a:rPr lang="en-GB"/>
-              <a:t>4 Datastructuren met eigen kwaliteiten</a:t>
-            </a:r>
-          </a:p>
-          <a:p>
-            <a:pPr lvl="0" rtl="0">
-              <a:spcBef>
-                <a:spcPts val="0"/>
-              </a:spcBef>
-              <a:buNone/>
-            </a:pPr>
-            <a:endParaRPr/>
-          </a:p>
-          <a:p>
-            <a:pPr marL="457200" lvl="0" indent="-419100" rtl="0">
-              <a:spcBef>
-                <a:spcPts val="0"/>
-              </a:spcBef>
-              <a:buClr>
-                <a:schemeClr val="dk2"/>
-              </a:buClr>
-              <a:buSzPct val="100000"/>
-              <a:buFont typeface="Arial"/>
-              <a:buChar char="●"/>
-            </a:pPr>
-            <a:r>
-              <a:rPr lang="en-GB"/>
-              <a:t>Test op looptijd, gebruik T-toetsen</a:t>
-            </a:r>
-          </a:p>
-          <a:p>
-            <a:pPr lvl="0" rtl="0">
-              <a:spcBef>
-                <a:spcPts val="0"/>
-              </a:spcBef>
-              <a:buNone/>
-            </a:pPr>
-            <a:endParaRPr/>
-          </a:p>
-          <a:p>
-            <a:pPr marL="457200" lvl="0" indent="-419100" rtl="0">
-              <a:spcBef>
-                <a:spcPts val="0"/>
-              </a:spcBef>
-              <a:buClr>
-                <a:schemeClr val="dk2"/>
-              </a:buClr>
-              <a:buSzPct val="100000"/>
-              <a:buFont typeface="Arial"/>
-              <a:buChar char="●"/>
-            </a:pPr>
-            <a:r>
-              <a:rPr lang="en-GB"/>
-              <a:t>Data bijna gegenereerd</a:t>
-            </a:r>
-          </a:p>
-          <a:p>
-            <a:pPr rtl="0">
-              <a:spcBef>
-                <a:spcPts val="0"/>
-              </a:spcBef>
-              <a:buNone/>
-            </a:pPr>
-            <a:endParaRPr/>
-          </a:p>
-          <a:p>
-            <a:pPr lvl="0" rtl="0">
-              <a:spcBef>
-                <a:spcPts val="0"/>
-              </a:spcBef>
-              <a:buNone/>
-            </a:pPr>
-            <a:endParaRPr/>
-          </a:p>
-        </p:txBody>
-      </p:sp>
-      <p:sp>
-        <p:nvSpPr>
-          <p:cNvPr id="85" name="Shape 85"/>
-          <p:cNvSpPr txBox="1">
-            <a:spLocks noGrp="1"/>
-          </p:cNvSpPr>
-          <p:nvPr>
-            <p:ph type="sldNum" idx="12"/>
-          </p:nvPr>
-        </p:nvSpPr>
-        <p:spPr>
-          <a:xfrm>
-            <a:off x="8556791" y="4749850"/>
-            <a:ext cx="548699" cy="393600"/>
-          </a:xfrm>
-          <a:prstGeom prst="rect">
-            <a:avLst/>
-          </a:prstGeom>
-        </p:spPr>
-        <p:txBody>
-          <a:bodyPr lIns="91425" tIns="91425" rIns="91425" bIns="91425" anchor="ctr" anchorCtr="0">
-            <a:noAutofit/>
-          </a:bodyPr>
-          <a:lstStyle/>
-          <a:p>
-            <a:pPr lvl="0" rtl="0">
-              <a:spcBef>
-                <a:spcPts val="0"/>
-              </a:spcBef>
-              <a:buNone/>
-            </a:pPr>
-            <a:fld id="{00000000-1234-1234-1234-123412341234}" type="slidenum">
-              <a:rPr lang="en-GB"/>
-              <a:t>12</a:t>
-            </a:fld>
-            <a:endParaRPr lang="en-GB"/>
-          </a:p>
-        </p:txBody>
-      </p:sp>
-      <p:sp>
-        <p:nvSpPr>
-          <p:cNvPr id="86" name="Shape 86"/>
-          <p:cNvSpPr txBox="1"/>
-          <p:nvPr/>
-        </p:nvSpPr>
-        <p:spPr>
-          <a:xfrm>
-            <a:off x="0" y="4653250"/>
-            <a:ext cx="9144000" cy="586800"/>
-          </a:xfrm>
-          <a:prstGeom prst="rect">
-            <a:avLst/>
-          </a:prstGeom>
-          <a:noFill/>
-          <a:ln>
-            <a:noFill/>
-          </a:ln>
-        </p:spPr>
-        <p:txBody>
-          <a:bodyPr lIns="91425" tIns="91425" rIns="91425" bIns="91425" anchor="ctr" anchorCtr="0">
-            <a:noAutofit/>
-          </a:bodyPr>
-          <a:lstStyle/>
-          <a:p>
-            <a:pPr algn="ctr">
-              <a:spcBef>
-                <a:spcPts val="0"/>
-              </a:spcBef>
-              <a:buNone/>
-            </a:pPr>
-            <a:r>
-              <a:rPr lang="en-GB" sz="900"/>
-              <a:t>Gerben Aalvanger en Sam van der Wal</a:t>
-            </a:r>
-          </a:p>
-        </p:txBody>
-      </p:sp>
-    </p:spTree>
-  </p:cSld>
-  <p:clrMapOvr>
-    <a:masterClrMapping/>
-  </p:clrMapOvr>
-  <p:transition spd="slow">
-    <p:cut/>
-  </p:transition>
 </p:sld>
 </file>
 
@@ -6122,6 +6147,42 @@
             <a:r>
               <a:rPr lang="en-GB" sz="2800" dirty="0" err="1" smtClean="0"/>
               <a:t>Statistiek</a:t>
+            </a:r>
+            <a:endParaRPr lang="en-GB" sz="2800" dirty="0" smtClean="0"/>
+          </a:p>
+          <a:p>
+            <a:pPr marL="457200" lvl="0" indent="-406400" rtl="0">
+              <a:spcBef>
+                <a:spcPts val="0"/>
+              </a:spcBef>
+              <a:buClr>
+                <a:schemeClr val="dk2"/>
+              </a:buClr>
+              <a:buSzPct val="100000"/>
+              <a:buFont typeface="Arial"/>
+              <a:buChar char="●"/>
+            </a:pPr>
+            <a:r>
+              <a:rPr lang="en-GB" sz="2800" dirty="0" err="1" smtClean="0"/>
+              <a:t>Conclusies</a:t>
+            </a:r>
+            <a:endParaRPr lang="en-GB" sz="2800" dirty="0" smtClean="0"/>
+          </a:p>
+          <a:p>
+            <a:pPr marL="457200" lvl="0" indent="-406400" rtl="0">
+              <a:spcBef>
+                <a:spcPts val="0"/>
+              </a:spcBef>
+              <a:buClr>
+                <a:schemeClr val="dk2"/>
+              </a:buClr>
+              <a:buSzPct val="100000"/>
+              <a:buFont typeface="Arial"/>
+              <a:buChar char="●"/>
+            </a:pPr>
+            <a:r>
+              <a:rPr lang="en-GB" sz="2800" dirty="0" err="1" smtClean="0"/>
+              <a:t>Discussie</a:t>
             </a:r>
             <a:endParaRPr lang="en-GB" sz="2800" dirty="0"/>
           </a:p>
@@ -7947,11 +8008,7 @@
             </a:r>
             <a:r>
               <a:rPr lang="nl-NL" sz="2800" dirty="0"/>
-              <a:t>6,04E-08</a:t>
-            </a:r>
-            <a:r>
-              <a:rPr lang="nl-NL" sz="2800" dirty="0"/>
-              <a:t> </a:t>
+              <a:t>6,04E-08 </a:t>
             </a:r>
             <a:endParaRPr lang="en-US" sz="2800" dirty="0" smtClean="0"/>
           </a:p>
@@ -8918,11 +8975,7 @@
             </a:r>
             <a:r>
               <a:rPr lang="nl-NL" sz="2800" dirty="0"/>
-              <a:t>6,16E-07</a:t>
-            </a:r>
-            <a:r>
-              <a:rPr lang="nl-NL" sz="2800" dirty="0"/>
-              <a:t> </a:t>
+              <a:t>6,16E-07 </a:t>
             </a:r>
             <a:endParaRPr lang="en-US" sz="2800" dirty="0" smtClean="0"/>
           </a:p>
@@ -8948,11 +9001,7 @@
             </a:r>
             <a:r>
               <a:rPr lang="nl-NL" sz="2800" dirty="0"/>
-              <a:t>1,25E-06</a:t>
-            </a:r>
-            <a:r>
-              <a:rPr lang="nl-NL" sz="2800" dirty="0"/>
-              <a:t>  </a:t>
+              <a:t>1,25E-06  </a:t>
             </a:r>
             <a:endParaRPr lang="en-US" sz="2800" dirty="0" smtClean="0"/>
           </a:p>
